--- a/doc/slides/day2/session2/SamFormatAndFiltering.pptx
+++ b/doc/slides/day2/session2/SamFormatAndFiltering.pptx
@@ -3082,11 +3082,7 @@
           <a:p>
             <a:r>
               <a:rPr lang="en-US" dirty="0" smtClean="0"/>
-              <a:t>Sam</a:t>
-            </a:r>
-            <a:r>
-              <a:rPr lang="en-US" dirty="0" smtClean="0"/>
-              <a:t> Filtering</a:t>
+              <a:t>Sam Filtering</a:t>
             </a:r>
             <a:endParaRPr lang="en-US" dirty="0"/>
           </a:p>
@@ -3162,13 +3158,7 @@
               <a:rPr lang="en-US" dirty="0" smtClean="0">
                 <a:hlinkClick r:id="rId2"/>
               </a:rPr>
-              <a:t>http://bio-bwa.sourceforge.net/</a:t>
-            </a:r>
-            <a:r>
-              <a:rPr lang="en-US" dirty="0" smtClean="0">
-                <a:hlinkClick r:id="rId2"/>
-              </a:rPr>
-              <a:t>bwa.shtml</a:t>
+              <a:t>http://bio-bwa.sourceforge.net/bwa.shtml</a:t>
             </a:r>
             <a:endParaRPr lang="en-US" dirty="0" smtClean="0"/>
           </a:p>
@@ -3188,11 +3178,7 @@
             </a:r>
             <a:r>
               <a:rPr lang="en-US" dirty="0" smtClean="0"/>
-              <a:t> includes an entry for every single read in the raw file,</a:t>
-            </a:r>
-            <a:r>
-              <a:rPr lang="en-US" dirty="0" smtClean="0"/>
-              <a:t> with flags to specify its status </a:t>
+              <a:t> includes an entry for every single read in the raw file, with flags to specify its status </a:t>
             </a:r>
             <a:endParaRPr lang="en-US" dirty="0"/>
           </a:p>
@@ -3303,15 +3289,7 @@
             </a:pPr>
             <a:r>
               <a:rPr lang="en-US" sz="1800" i="1" dirty="0" smtClean="0"/>
-              <a:t>if (</a:t>
-            </a:r>
-            <a:r>
-              <a:rPr lang="en-US" sz="1800" i="1" dirty="0" smtClean="0"/>
-              <a:t>$fields[1] &amp; </a:t>
-            </a:r>
-            <a:r>
-              <a:rPr lang="en-US" sz="1800" i="1" dirty="0" smtClean="0"/>
-              <a:t>0x0004) {</a:t>
+              <a:t>if ($fields[1] &amp; 0x0004) {</a:t>
             </a:r>
           </a:p>
           <a:p>
@@ -3404,11 +3382,7 @@
           <a:p>
             <a:r>
               <a:rPr lang="en-US" dirty="0" smtClean="0"/>
-              <a:t>O</a:t>
-            </a:r>
-            <a:r>
-              <a:rPr lang="en-US" dirty="0" smtClean="0"/>
-              <a:t>ther FLAG information</a:t>
+              <a:t>Other FLAG information</a:t>
             </a:r>
             <a:endParaRPr lang="en-US" dirty="0"/>
           </a:p>
@@ -3841,7 +3815,6 @@
               <a:rPr lang="en-US" sz="1800" i="1" dirty="0" smtClean="0"/>
               <a:t>}</a:t>
             </a:r>
-            <a:endParaRPr lang="en-US" sz="1800" i="1" dirty="0" smtClean="0"/>
           </a:p>
         </p:txBody>
       </p:sp>
@@ -3920,43 +3893,15 @@
             </a:r>
             <a:r>
               <a:rPr lang="en-US" dirty="0" smtClean="0"/>
-              <a:t> script to filter either aligned or </a:t>
+              <a:t> script to filter either aligned or unaligned entries in SAM STDIN to STDOUT along with the Sam</a:t>
             </a:r>
             <a:r>
               <a:rPr lang="en-US" dirty="0" smtClean="0"/>
-              <a:t>unaligned</a:t>
+              <a:t> headers </a:t>
             </a:r>
             <a:r>
               <a:rPr lang="en-US" dirty="0" smtClean="0"/>
-              <a:t> </a:t>
-            </a:r>
-            <a:r>
-              <a:rPr lang="en-US" dirty="0" smtClean="0"/>
-              <a:t>entries </a:t>
-            </a:r>
-            <a:r>
-              <a:rPr lang="en-US" dirty="0" smtClean="0"/>
-              <a:t>in</a:t>
-            </a:r>
-            <a:r>
-              <a:rPr lang="en-US" dirty="0" smtClean="0"/>
-              <a:t> SAM STDIN </a:t>
-            </a:r>
-            <a:r>
-              <a:rPr lang="en-US" dirty="0" smtClean="0"/>
-              <a:t>to STDOUT along with the Sam Headers </a:t>
-            </a:r>
-            <a:r>
-              <a:rPr lang="en-US" smtClean="0"/>
-              <a:t>(</a:t>
-            </a:r>
-            <a:r>
-              <a:rPr lang="en-US" smtClean="0"/>
-              <a:t>use </a:t>
-            </a:r>
-            <a:r>
-              <a:rPr lang="en-US" dirty="0" smtClean="0"/>
-              <a:t>a </a:t>
+              <a:t>(use a </a:t>
             </a:r>
             <a:r>
               <a:rPr lang="en-US" dirty="0" err="1" smtClean="0"/>
@@ -3964,29 +3909,33 @@
             </a:r>
             <a:r>
               <a:rPr lang="en-US" dirty="0" smtClean="0"/>
-              <a:t> switch</a:t>
-            </a:r>
+              <a:t> switch)</a:t>
+            </a:r>
+          </a:p>
+          <a:p>
             <a:r>
               <a:rPr lang="en-US" dirty="0" smtClean="0"/>
-              <a:t>)</a:t>
-            </a:r>
-          </a:p>
-          <a:p>
+              <a:t>Modify process </a:t>
+            </a:r>
+            <a:r>
+              <a:rPr lang="en-US" smtClean="0"/>
+              <a:t>in</a:t>
+            </a:r>
+            <a:r>
+              <a:rPr lang="en-US" smtClean="0"/>
+              <a:t> </a:t>
+            </a:r>
+            <a:r>
+              <a:rPr lang="en-US" smtClean="0"/>
+              <a:t>Exercise </a:t>
+            </a:r>
+            <a:r>
+              <a:rPr lang="en-US" smtClean="0"/>
+              <a:t>1 </a:t>
+            </a:r>
             <a:r>
               <a:rPr lang="en-US" dirty="0" smtClean="0"/>
-              <a:t>M</a:t>
-            </a:r>
-            <a:r>
-              <a:rPr lang="en-US" dirty="0" smtClean="0"/>
-              <a:t>odify process </a:t>
-            </a:r>
-            <a:r>
-              <a:rPr lang="en-US" dirty="0" smtClean="0"/>
-              <a:t>in Day 2 Example 1</a:t>
-            </a:r>
-            <a:r>
-              <a:rPr lang="en-US" dirty="0" smtClean="0"/>
-              <a:t> to create sorted </a:t>
+              <a:t>to create sorted </a:t>
             </a:r>
             <a:r>
               <a:rPr lang="en-US" dirty="0" err="1" smtClean="0"/>
@@ -3994,11 +3943,7 @@
             </a:r>
             <a:r>
               <a:rPr lang="en-US" dirty="0" smtClean="0"/>
-              <a:t> </a:t>
-            </a:r>
-            <a:r>
-              <a:rPr lang="en-US" dirty="0" smtClean="0"/>
-              <a:t>and </a:t>
+              <a:t> and </a:t>
             </a:r>
             <a:r>
               <a:rPr lang="en-US" dirty="0" err="1" smtClean="0"/>
@@ -4006,21 +3951,13 @@
             </a:r>
             <a:r>
               <a:rPr lang="en-US" dirty="0" smtClean="0"/>
-              <a:t> </a:t>
-            </a:r>
+              <a:t> files</a:t>
+            </a:r>
+          </a:p>
+          <a:p>
             <a:r>
               <a:rPr lang="en-US" dirty="0" smtClean="0"/>
-              <a:t>files</a:t>
-            </a:r>
-          </a:p>
-          <a:p>
-            <a:r>
-              <a:rPr lang="en-US" dirty="0" smtClean="0"/>
-              <a:t>Prove you </a:t>
-            </a:r>
-            <a:r>
-              <a:rPr lang="en-US" dirty="0" smtClean="0"/>
-              <a:t>can merge these back to form a copy of the original </a:t>
+              <a:t>Prove you can merge these back to form a copy of the original </a:t>
             </a:r>
             <a:r>
               <a:rPr lang="en-US" dirty="0" err="1" smtClean="0"/>
@@ -4028,11 +3965,7 @@
             </a:r>
             <a:r>
               <a:rPr lang="en-US" dirty="0" smtClean="0"/>
-              <a:t> </a:t>
-            </a:r>
-            <a:r>
-              <a:rPr lang="en-US" dirty="0" smtClean="0"/>
-              <a:t>file</a:t>
+              <a:t> file</a:t>
             </a:r>
             <a:endParaRPr lang="en-US" dirty="0"/>
           </a:p>
